--- a/Guitar_Amp_Emulation.pptx
+++ b/Guitar_Amp_Emulation.pptx
@@ -3146,7 +3146,12 @@
             <p:ph type="ctrTitle"/>
           </p:nvPr>
         </p:nvSpPr>
-        <p:spPr/>
+        <p:spPr>
+          <a:xfrm>
+            <a:off x="685800" y="957407"/>
+            <a:ext cx="7772400" cy="1470025"/>
+          </a:xfrm>
+        </p:spPr>
         <p:txBody>
           <a:bodyPr/>
           <a:lstStyle/>
@@ -3172,7 +3177,12 @@
             <p:ph type="subTitle" idx="1"/>
           </p:nvPr>
         </p:nvSpPr>
-        <p:spPr/>
+        <p:spPr>
+          <a:xfrm>
+            <a:off x="1371600" y="3009900"/>
+            <a:ext cx="6400800" cy="1752600"/>
+          </a:xfrm>
+        </p:spPr>
         <p:txBody>
           <a:bodyPr/>
           <a:lstStyle/>
@@ -3266,28 +3276,12 @@
           <a:lstStyle/>
           <a:p>
             <a:r>
-              <a:rPr dirty="0" err="1">
-                <a:solidFill>
-                  <a:schemeClr val="bg1"/>
-                </a:solidFill>
-              </a:rPr>
-              <a:t>Описание</a:t>
-            </a:r>
-            <a:r>
-              <a:rPr dirty="0">
-                <a:solidFill>
-                  <a:schemeClr val="bg1"/>
-                </a:solidFill>
-              </a:rPr>
-              <a:t> </a:t>
-            </a:r>
-            <a:r>
-              <a:rPr dirty="0" err="1">
-                <a:solidFill>
-                  <a:schemeClr val="bg1"/>
-                </a:solidFill>
-              </a:rPr>
-              <a:t>проекта</a:t>
+              <a:rPr lang="ru-RU" dirty="0">
+                <a:solidFill>
+                  <a:schemeClr val="bg1"/>
+                </a:solidFill>
+              </a:rPr>
+              <a:t>Цель проекта</a:t>
             </a:r>
             <a:endParaRPr dirty="0">
               <a:solidFill>
@@ -3309,10 +3303,12 @@
         </p:nvSpPr>
         <p:spPr/>
         <p:txBody>
-          <a:bodyPr/>
-          <a:lstStyle/>
-          <a:p>
-            <a:endParaRPr dirty="0">
+          <a:bodyPr>
+            <a:normAutofit fontScale="85000" lnSpcReduction="20000"/>
+          </a:bodyPr>
+          <a:lstStyle/>
+          <a:p>
+            <a:endParaRPr dirty="0" smtClean="0">
               <a:solidFill>
                 <a:schemeClr val="bg1"/>
               </a:solidFill>
@@ -3320,122 +3316,59 @@
           </a:p>
           <a:p>
             <a:r>
-              <a:rPr dirty="0" err="1">
-                <a:solidFill>
-                  <a:schemeClr val="bg1"/>
-                </a:solidFill>
-              </a:rPr>
-              <a:t>Эмуляция</a:t>
-            </a:r>
-            <a:r>
-              <a:rPr dirty="0">
-                <a:solidFill>
-                  <a:schemeClr val="bg1"/>
-                </a:solidFill>
-              </a:rPr>
-              <a:t> </a:t>
-            </a:r>
-            <a:r>
-              <a:rPr dirty="0" err="1">
-                <a:solidFill>
-                  <a:schemeClr val="bg1"/>
-                </a:solidFill>
-              </a:rPr>
-              <a:t>аналогового</a:t>
-            </a:r>
-            <a:r>
-              <a:rPr dirty="0">
-                <a:solidFill>
-                  <a:schemeClr val="bg1"/>
-                </a:solidFill>
-              </a:rPr>
-              <a:t> </a:t>
-            </a:r>
-            <a:r>
-              <a:rPr dirty="0" err="1">
-                <a:solidFill>
-                  <a:schemeClr val="bg1"/>
-                </a:solidFill>
-              </a:rPr>
-              <a:t>гитарного</a:t>
-            </a:r>
-            <a:r>
-              <a:rPr dirty="0">
-                <a:solidFill>
-                  <a:schemeClr val="bg1"/>
-                </a:solidFill>
-              </a:rPr>
-              <a:t> </a:t>
-            </a:r>
-            <a:r>
-              <a:rPr dirty="0" err="1">
-                <a:solidFill>
-                  <a:schemeClr val="bg1"/>
-                </a:solidFill>
-              </a:rPr>
-              <a:t>усилителя</a:t>
-            </a:r>
-            <a:endParaRPr dirty="0">
-              <a:solidFill>
-                <a:schemeClr val="bg1"/>
-              </a:solidFill>
-            </a:endParaRPr>
-          </a:p>
-          <a:p>
-            <a:r>
-              <a:rPr dirty="0">
-                <a:solidFill>
-                  <a:schemeClr val="bg1"/>
-                </a:solidFill>
-              </a:rPr>
-              <a:t>VST3 </a:t>
-            </a:r>
-            <a:r>
-              <a:rPr dirty="0" err="1">
-                <a:solidFill>
-                  <a:schemeClr val="bg1"/>
-                </a:solidFill>
-              </a:rPr>
-              <a:t>плагин</a:t>
-            </a:r>
-            <a:r>
-              <a:rPr dirty="0">
-                <a:solidFill>
-                  <a:schemeClr val="bg1"/>
-                </a:solidFill>
-              </a:rPr>
-              <a:t> и Standalone </a:t>
-            </a:r>
-            <a:r>
-              <a:rPr dirty="0" err="1">
-                <a:solidFill>
-                  <a:schemeClr val="bg1"/>
-                </a:solidFill>
-              </a:rPr>
-              <a:t>приложение</a:t>
-            </a:r>
-            <a:endParaRPr dirty="0">
-              <a:solidFill>
-                <a:schemeClr val="bg1"/>
-              </a:solidFill>
-            </a:endParaRPr>
-          </a:p>
-          <a:p>
-            <a:r>
-              <a:rPr dirty="0">
-                <a:solidFill>
-                  <a:schemeClr val="bg1"/>
-                </a:solidFill>
-              </a:rPr>
-              <a:t>JUCE + DSP </a:t>
-            </a:r>
-            <a:r>
-              <a:rPr dirty="0" err="1">
-                <a:solidFill>
-                  <a:schemeClr val="bg1"/>
-                </a:solidFill>
-              </a:rPr>
-              <a:t>библиотека</a:t>
+              <a:rPr lang="ru-RU" dirty="0">
+                <a:solidFill>
+                  <a:schemeClr val="bg1"/>
+                </a:solidFill>
+              </a:rPr>
+              <a:t>Создание программного гитарного усилителя, имитирующего звучание аналогового лампового оборудования, в виде VST3-плагина и </a:t>
+            </a:r>
+            <a:r>
+              <a:rPr lang="ru-RU" dirty="0" err="1">
+                <a:solidFill>
+                  <a:schemeClr val="bg1"/>
+                </a:solidFill>
+              </a:rPr>
+              <a:t>standalone</a:t>
+            </a:r>
+            <a:r>
+              <a:rPr lang="ru-RU" dirty="0">
+                <a:solidFill>
+                  <a:schemeClr val="bg1"/>
+                </a:solidFill>
+              </a:rPr>
+              <a:t>-приложения, с использованием </a:t>
+            </a:r>
+            <a:r>
+              <a:rPr lang="ru-RU" dirty="0" err="1">
+                <a:solidFill>
+                  <a:schemeClr val="bg1"/>
+                </a:solidFill>
+              </a:rPr>
+              <a:t>фреймворка</a:t>
+            </a:r>
+            <a:r>
+              <a:rPr lang="ru-RU" dirty="0">
+                <a:solidFill>
+                  <a:schemeClr val="bg1"/>
+                </a:solidFill>
+              </a:rPr>
+              <a:t> JUCE и встроенной DSP-библиотеки.</a:t>
+            </a:r>
+            <a:br>
+              <a:rPr lang="ru-RU" dirty="0">
+                <a:solidFill>
+                  <a:schemeClr val="bg1"/>
+                </a:solidFill>
+              </a:rPr>
+            </a:br>
+            <a:r>
+              <a:rPr lang="ru-RU" dirty="0">
+                <a:solidFill>
+                  <a:schemeClr val="bg1"/>
+                </a:solidFill>
+              </a:rPr>
+              <a:t>Проект нацелен на достижение реалистичного, выразительного гитарного тона с минимальным количеством настроек и удобным пользовательским интерфейсом, подходящим как для студийной записи, так и для живых выступлений.</a:t>
             </a:r>
             <a:endParaRPr dirty="0">
               <a:solidFill>
@@ -4055,7 +3988,12 @@
             <p:ph type="title"/>
           </p:nvPr>
         </p:nvSpPr>
-        <p:spPr/>
+        <p:spPr>
+          <a:xfrm>
+            <a:off x="457200" y="0"/>
+            <a:ext cx="8229600" cy="1143000"/>
+          </a:xfrm>
+        </p:spPr>
         <p:txBody>
           <a:bodyPr/>
           <a:lstStyle/>
@@ -4077,28 +4015,12 @@
               <a:t> </a:t>
             </a:r>
             <a:r>
-              <a:rPr dirty="0" err="1">
-                <a:solidFill>
-                  <a:schemeClr val="bg1"/>
-                </a:solidFill>
-              </a:rPr>
-              <a:t>обработки</a:t>
-            </a:r>
-            <a:r>
-              <a:rPr dirty="0">
-                <a:solidFill>
-                  <a:schemeClr val="bg1"/>
-                </a:solidFill>
-              </a:rPr>
-              <a:t> </a:t>
-            </a:r>
-            <a:r>
-              <a:rPr dirty="0" err="1">
-                <a:solidFill>
-                  <a:schemeClr val="bg1"/>
-                </a:solidFill>
-              </a:rPr>
-              <a:t>звука</a:t>
+              <a:rPr lang="ru-RU" dirty="0" smtClean="0">
+                <a:solidFill>
+                  <a:schemeClr val="bg1"/>
+                </a:solidFill>
+              </a:rPr>
+              <a:t>проекта</a:t>
             </a:r>
             <a:endParaRPr dirty="0">
               <a:solidFill>
@@ -4108,32 +4030,35 @@
           </a:p>
         </p:txBody>
       </p:sp>
-      <p:sp>
-        <p:nvSpPr>
-          <p:cNvPr id="3" name="Content Placeholder 2"/>
-          <p:cNvSpPr>
-            <a:spLocks noGrp="1"/>
-          </p:cNvSpPr>
+      <p:pic>
+        <p:nvPicPr>
+          <p:cNvPr id="4" name="Объект 3"/>
+          <p:cNvPicPr>
+            <a:picLocks noGrp="1" noChangeAspect="1"/>
+          </p:cNvPicPr>
           <p:nvPr>
             <p:ph idx="1"/>
           </p:nvPr>
-        </p:nvSpPr>
-        <p:spPr/>
-        <p:txBody>
-          <a:bodyPr/>
-          <a:lstStyle/>
-          <a:p>
-            <a:r>
-              <a:rPr dirty="0">
-                <a:solidFill>
-                  <a:schemeClr val="bg1"/>
-                </a:solidFill>
-              </a:rPr>
-              <a:t>Input → HP/LP Filters → Tube Clipping → Tone → Mid-Cut/Low-Shelf → IR Cabinet → Output</a:t>
-            </a:r>
-          </a:p>
-        </p:txBody>
-      </p:sp>
+        </p:nvPicPr>
+        <p:blipFill>
+          <a:blip r:embed="rId2">
+            <a:extLst>
+              <a:ext uri="{28A0092B-C50C-407E-A947-70E740481C1C}">
+                <a14:useLocalDpi xmlns:a14="http://schemas.microsoft.com/office/drawing/2010/main" val="0"/>
+              </a:ext>
+            </a:extLst>
+          </a:blip>
+          <a:stretch>
+            <a:fillRect/>
+          </a:stretch>
+        </p:blipFill>
+        <p:spPr>
+          <a:xfrm>
+            <a:off x="2573819" y="976746"/>
+            <a:ext cx="3822314" cy="5733473"/>
+          </a:xfrm>
+        </p:spPr>
+      </p:pic>
     </p:spTree>
   </p:cSld>
   <p:clrMapOvr>
@@ -4175,31 +4100,31 @@
           <a:lstStyle/>
           <a:p>
             <a:r>
-              <a:rPr dirty="0" err="1">
-                <a:solidFill>
-                  <a:schemeClr val="bg1"/>
-                </a:solidFill>
-              </a:rPr>
-              <a:t>Описание</a:t>
-            </a:r>
-            <a:r>
-              <a:rPr dirty="0">
-                <a:solidFill>
-                  <a:schemeClr val="bg1"/>
-                </a:solidFill>
-              </a:rPr>
-              <a:t> </a:t>
-            </a:r>
-            <a:r>
-              <a:rPr dirty="0" err="1">
-                <a:solidFill>
-                  <a:schemeClr val="bg1"/>
-                </a:solidFill>
-              </a:rPr>
-              <a:t>блоков</a:t>
-            </a:r>
-            <a:r>
-              <a:rPr dirty="0">
+              <a:rPr lang="ru-RU" dirty="0" err="1">
+                <a:solidFill>
+                  <a:schemeClr val="bg1"/>
+                </a:solidFill>
+              </a:rPr>
+              <a:t>Б</a:t>
+            </a:r>
+            <a:r>
+              <a:rPr dirty="0" err="1" smtClean="0">
+                <a:solidFill>
+                  <a:schemeClr val="bg1"/>
+                </a:solidFill>
+              </a:rPr>
+              <a:t>лок</a:t>
+            </a:r>
+            <a:r>
+              <a:rPr lang="ru-RU" dirty="0" smtClean="0">
+                <a:solidFill>
+                  <a:schemeClr val="bg1"/>
+                </a:solidFill>
+              </a:rPr>
+              <a:t>и</a:t>
+            </a:r>
+            <a:r>
+              <a:rPr dirty="0" smtClean="0">
                 <a:solidFill>
                   <a:schemeClr val="bg1"/>
                 </a:solidFill>

--- a/Guitar_Amp_Emulation.pptx
+++ b/Guitar_Amp_Emulation.pptx
@@ -8,10 +8,10 @@
     <p:sldId id="256" r:id="rId2"/>
     <p:sldId id="257" r:id="rId3"/>
     <p:sldId id="258" r:id="rId4"/>
-    <p:sldId id="259" r:id="rId5"/>
-    <p:sldId id="260" r:id="rId6"/>
-    <p:sldId id="261" r:id="rId7"/>
-    <p:sldId id="262" r:id="rId8"/>
+    <p:sldId id="262" r:id="rId5"/>
+    <p:sldId id="259" r:id="rId6"/>
+    <p:sldId id="260" r:id="rId7"/>
+    <p:sldId id="261" r:id="rId8"/>
   </p:sldIdLst>
   <p:sldSz cx="9144000" cy="6858000" type="screen4x3"/>
   <p:notesSz cx="6858000" cy="9144000"/>
@@ -310,7 +310,7 @@
           <a:p>
             <a:fld id="{5BCAD085-E8A6-8845-BD4E-CB4CCA059FC4}" type="datetimeFigureOut">
               <a:rPr lang="en-US" smtClean="0"/>
-              <a:t>6/14/2025</a:t>
+              <a:t>6/16/2025</a:t>
             </a:fld>
             <a:endParaRPr lang="en-US"/>
           </a:p>
@@ -480,7 +480,7 @@
           <a:p>
             <a:fld id="{5BCAD085-E8A6-8845-BD4E-CB4CCA059FC4}" type="datetimeFigureOut">
               <a:rPr lang="en-US" smtClean="0"/>
-              <a:t>6/14/2025</a:t>
+              <a:t>6/16/2025</a:t>
             </a:fld>
             <a:endParaRPr lang="en-US"/>
           </a:p>
@@ -660,7 +660,7 @@
           <a:p>
             <a:fld id="{5BCAD085-E8A6-8845-BD4E-CB4CCA059FC4}" type="datetimeFigureOut">
               <a:rPr lang="en-US" smtClean="0"/>
-              <a:t>6/14/2025</a:t>
+              <a:t>6/16/2025</a:t>
             </a:fld>
             <a:endParaRPr lang="en-US"/>
           </a:p>
@@ -830,7 +830,7 @@
           <a:p>
             <a:fld id="{5BCAD085-E8A6-8845-BD4E-CB4CCA059FC4}" type="datetimeFigureOut">
               <a:rPr lang="en-US" smtClean="0"/>
-              <a:t>6/14/2025</a:t>
+              <a:t>6/16/2025</a:t>
             </a:fld>
             <a:endParaRPr lang="en-US"/>
           </a:p>
@@ -1076,7 +1076,7 @@
           <a:p>
             <a:fld id="{5BCAD085-E8A6-8845-BD4E-CB4CCA059FC4}" type="datetimeFigureOut">
               <a:rPr lang="en-US" smtClean="0"/>
-              <a:t>6/14/2025</a:t>
+              <a:t>6/16/2025</a:t>
             </a:fld>
             <a:endParaRPr lang="en-US"/>
           </a:p>
@@ -1364,7 +1364,7 @@
           <a:p>
             <a:fld id="{5BCAD085-E8A6-8845-BD4E-CB4CCA059FC4}" type="datetimeFigureOut">
               <a:rPr lang="en-US" smtClean="0"/>
-              <a:t>6/14/2025</a:t>
+              <a:t>6/16/2025</a:t>
             </a:fld>
             <a:endParaRPr lang="en-US"/>
           </a:p>
@@ -1786,7 +1786,7 @@
           <a:p>
             <a:fld id="{5BCAD085-E8A6-8845-BD4E-CB4CCA059FC4}" type="datetimeFigureOut">
               <a:rPr lang="en-US" smtClean="0"/>
-              <a:t>6/14/2025</a:t>
+              <a:t>6/16/2025</a:t>
             </a:fld>
             <a:endParaRPr lang="en-US"/>
           </a:p>
@@ -1904,7 +1904,7 @@
           <a:p>
             <a:fld id="{5BCAD085-E8A6-8845-BD4E-CB4CCA059FC4}" type="datetimeFigureOut">
               <a:rPr lang="en-US" smtClean="0"/>
-              <a:t>6/14/2025</a:t>
+              <a:t>6/16/2025</a:t>
             </a:fld>
             <a:endParaRPr lang="en-US"/>
           </a:p>
@@ -1999,7 +1999,7 @@
           <a:p>
             <a:fld id="{5BCAD085-E8A6-8845-BD4E-CB4CCA059FC4}" type="datetimeFigureOut">
               <a:rPr lang="en-US" smtClean="0"/>
-              <a:t>6/14/2025</a:t>
+              <a:t>6/16/2025</a:t>
             </a:fld>
             <a:endParaRPr lang="en-US"/>
           </a:p>
@@ -2276,7 +2276,7 @@
           <a:p>
             <a:fld id="{5BCAD085-E8A6-8845-BD4E-CB4CCA059FC4}" type="datetimeFigureOut">
               <a:rPr lang="en-US" smtClean="0"/>
-              <a:t>6/14/2025</a:t>
+              <a:t>6/16/2025</a:t>
             </a:fld>
             <a:endParaRPr lang="en-US"/>
           </a:p>
@@ -2529,7 +2529,7 @@
           <a:p>
             <a:fld id="{5BCAD085-E8A6-8845-BD4E-CB4CCA059FC4}" type="datetimeFigureOut">
               <a:rPr lang="en-US" smtClean="0"/>
-              <a:t>6/14/2025</a:t>
+              <a:t>6/16/2025</a:t>
             </a:fld>
             <a:endParaRPr lang="en-US"/>
           </a:p>
@@ -2761,7 +2761,7 @@
           <a:p>
             <a:fld id="{5BCAD085-E8A6-8845-BD4E-CB4CCA059FC4}" type="datetimeFigureOut">
               <a:rPr lang="en-US" smtClean="0"/>
-              <a:t>6/14/2025</a:t>
+              <a:t>6/16/2025</a:t>
             </a:fld>
             <a:endParaRPr lang="en-US"/>
           </a:p>
@@ -3146,12 +3146,7 @@
             <p:ph type="ctrTitle"/>
           </p:nvPr>
         </p:nvSpPr>
-        <p:spPr>
-          <a:xfrm>
-            <a:off x="685800" y="957407"/>
-            <a:ext cx="7772400" cy="1470025"/>
-          </a:xfrm>
-        </p:spPr>
+        <p:spPr/>
         <p:txBody>
           <a:bodyPr/>
           <a:lstStyle/>
@@ -3177,12 +3172,7 @@
             <p:ph type="subTitle" idx="1"/>
           </p:nvPr>
         </p:nvSpPr>
-        <p:spPr>
-          <a:xfrm>
-            <a:off x="1371600" y="3009900"/>
-            <a:ext cx="6400800" cy="1752600"/>
-          </a:xfrm>
-        </p:spPr>
+        <p:spPr/>
         <p:txBody>
           <a:bodyPr/>
           <a:lstStyle/>
@@ -3276,12 +3266,28 @@
           <a:lstStyle/>
           <a:p>
             <a:r>
-              <a:rPr lang="ru-RU" dirty="0">
-                <a:solidFill>
-                  <a:schemeClr val="bg1"/>
-                </a:solidFill>
-              </a:rPr>
-              <a:t>Цель проекта</a:t>
+              <a:rPr lang="ru-RU" dirty="0" smtClean="0">
+                <a:solidFill>
+                  <a:schemeClr val="bg1"/>
+                </a:solidFill>
+              </a:rPr>
+              <a:t>Цель</a:t>
+            </a:r>
+            <a:r>
+              <a:rPr dirty="0" smtClean="0">
+                <a:solidFill>
+                  <a:schemeClr val="bg1"/>
+                </a:solidFill>
+              </a:rPr>
+              <a:t> </a:t>
+            </a:r>
+            <a:r>
+              <a:rPr dirty="0" err="1">
+                <a:solidFill>
+                  <a:schemeClr val="bg1"/>
+                </a:solidFill>
+              </a:rPr>
+              <a:t>проекта</a:t>
             </a:r>
             <a:endParaRPr dirty="0">
               <a:solidFill>
@@ -3308,7 +3314,7 @@
           </a:bodyPr>
           <a:lstStyle/>
           <a:p>
-            <a:endParaRPr dirty="0" smtClean="0">
+            <a:endParaRPr dirty="0">
               <a:solidFill>
                 <a:schemeClr val="bg1"/>
               </a:solidFill>
@@ -3468,198 +3474,277 @@
       </p:sp>
       <p:sp>
         <p:nvSpPr>
-          <p:cNvPr id="3" name="Content Placeholder 2"/>
-          <p:cNvSpPr>
-            <a:spLocks noGrp="1"/>
+          <p:cNvPr id="6" name="Rectangle 3"/>
+          <p:cNvSpPr>
+            <a:spLocks noGrp="1" noChangeArrowheads="1"/>
           </p:cNvSpPr>
           <p:nvPr>
             <p:ph idx="1"/>
           </p:nvPr>
         </p:nvSpPr>
-        <p:spPr/>
-        <p:txBody>
-          <a:bodyPr/>
-          <a:lstStyle/>
-          <a:p>
-            <a:endParaRPr dirty="0">
+        <p:spPr bwMode="auto">
+          <a:xfrm>
+            <a:off x="457200" y="1896328"/>
+            <a:ext cx="8308109" cy="2954655"/>
+          </a:xfrm>
+          <a:prstGeom prst="rect">
+            <a:avLst/>
+          </a:prstGeom>
+          <a:noFill/>
+          <a:ln>
+            <a:noFill/>
+          </a:ln>
+          <a:effectLst/>
+          <a:extLst>
+            <a:ext uri="{909E8E84-426E-40DD-AFC4-6F175D3DCCD1}">
+              <a14:hiddenFill xmlns:a14="http://schemas.microsoft.com/office/drawing/2010/main">
+                <a:solidFill>
+                  <a:schemeClr val="accent1"/>
+                </a:solidFill>
+              </a14:hiddenFill>
+            </a:ext>
+            <a:ext uri="{91240B29-F687-4F45-9708-019B960494DF}">
+              <a14:hiddenLine xmlns:a14="http://schemas.microsoft.com/office/drawing/2010/main" w="9525">
+                <a:solidFill>
+                  <a:schemeClr val="tx1"/>
+                </a:solidFill>
+                <a:miter lim="800000"/>
+                <a:headEnd/>
+                <a:tailEnd/>
+              </a14:hiddenLine>
+            </a:ext>
+            <a:ext uri="{AF507438-7753-43E0-B8FC-AC1667EBCBE1}">
+              <a14:hiddenEffects xmlns:a14="http://schemas.microsoft.com/office/drawing/2010/main">
+                <a:effectLst>
+                  <a:outerShdw dist="35921" dir="2700000" algn="ctr" rotWithShape="0">
+                    <a:schemeClr val="bg2"/>
+                  </a:outerShdw>
+                </a:effectLst>
+              </a14:hiddenEffects>
+            </a:ext>
+          </a:extLst>
+        </p:spPr>
+        <p:txBody>
+          <a:bodyPr vert="horz" wrap="square" lIns="91440" tIns="45720" rIns="91440" bIns="45720" numCol="1" anchor="ctr" anchorCtr="0" compatLnSpc="1">
+            <a:prstTxWarp prst="textNoShape">
+              <a:avLst/>
+            </a:prstTxWarp>
+            <a:spAutoFit/>
+          </a:bodyPr>
+          <a:lstStyle/>
+          <a:p>
+            <a:pPr marL="0" marR="0" lvl="0" indent="0" algn="l" defTabSz="914400" rtl="0" eaLnBrk="0" fontAlgn="base" latinLnBrk="0" hangingPunct="0">
+              <a:lnSpc>
+                <a:spcPct val="100000"/>
+              </a:lnSpc>
+              <a:spcBef>
+                <a:spcPct val="0"/>
+              </a:spcBef>
+              <a:spcAft>
+                <a:spcPct val="0"/>
+              </a:spcAft>
+              <a:buClrTx/>
+              <a:buSzTx/>
+              <a:buFontTx/>
+              <a:buNone/>
+              <a:tabLst/>
+            </a:pPr>
+            <a:endParaRPr kumimoji="0" lang="ru-RU" altLang="ru-RU" sz="2400" b="0" i="0" u="none" strike="noStrike" cap="none" normalizeH="0" baseline="0" dirty="0" smtClean="0">
+              <a:ln>
+                <a:noFill/>
+              </a:ln>
               <a:solidFill>
                 <a:schemeClr val="bg1"/>
               </a:solidFill>
+              <a:effectLst/>
+              <a:latin typeface="Arial" panose="020B0604020202020204" pitchFamily="34" charset="0"/>
             </a:endParaRPr>
           </a:p>
           <a:p>
-            <a:r>
-              <a:rPr dirty="0" err="1">
-                <a:solidFill>
-                  <a:schemeClr val="bg1"/>
-                </a:solidFill>
-              </a:rPr>
-              <a:t>Имитация</a:t>
-            </a:r>
-            <a:r>
-              <a:rPr dirty="0">
-                <a:solidFill>
-                  <a:schemeClr val="bg1"/>
-                </a:solidFill>
-              </a:rPr>
-              <a:t> </a:t>
-            </a:r>
-            <a:r>
-              <a:rPr dirty="0" err="1">
-                <a:solidFill>
-                  <a:schemeClr val="bg1"/>
-                </a:solidFill>
-              </a:rPr>
-              <a:t>лампового</a:t>
-            </a:r>
-            <a:r>
-              <a:rPr dirty="0">
-                <a:solidFill>
-                  <a:schemeClr val="bg1"/>
-                </a:solidFill>
-              </a:rPr>
-              <a:t> </a:t>
-            </a:r>
-            <a:r>
-              <a:rPr dirty="0" err="1">
-                <a:solidFill>
-                  <a:schemeClr val="bg1"/>
-                </a:solidFill>
-              </a:rPr>
-              <a:t>перегруза</a:t>
-            </a:r>
-            <a:endParaRPr dirty="0">
+            <a:pPr marL="0" marR="0" lvl="0" indent="0" algn="l" defTabSz="914400" rtl="0" eaLnBrk="0" fontAlgn="base" latinLnBrk="0" hangingPunct="0">
+              <a:lnSpc>
+                <a:spcPct val="100000"/>
+              </a:lnSpc>
+              <a:spcBef>
+                <a:spcPct val="0"/>
+              </a:spcBef>
+              <a:spcAft>
+                <a:spcPct val="0"/>
+              </a:spcAft>
+              <a:buClrTx/>
+              <a:buSzTx/>
+              <a:buFontTx/>
+              <a:buChar char="•"/>
+              <a:tabLst/>
+            </a:pPr>
+            <a:r>
+              <a:rPr kumimoji="0" lang="ru-RU" altLang="ru-RU" sz="2400" b="0" i="0" u="none" strike="noStrike" cap="none" normalizeH="0" baseline="0" dirty="0" smtClean="0">
+                <a:ln>
+                  <a:noFill/>
+                </a:ln>
+                <a:solidFill>
+                  <a:schemeClr val="bg1"/>
+                </a:solidFill>
+                <a:effectLst/>
+                <a:latin typeface="Arial" panose="020B0604020202020204" pitchFamily="34" charset="0"/>
+              </a:rPr>
+              <a:t>Эмулирует перегруз лампового усилителя </a:t>
+            </a:r>
+          </a:p>
+          <a:p>
+            <a:pPr marL="0" marR="0" lvl="0" indent="0" algn="l" defTabSz="914400" rtl="0" eaLnBrk="0" fontAlgn="base" latinLnBrk="0" hangingPunct="0">
+              <a:lnSpc>
+                <a:spcPct val="100000"/>
+              </a:lnSpc>
+              <a:spcBef>
+                <a:spcPct val="0"/>
+              </a:spcBef>
+              <a:spcAft>
+                <a:spcPct val="0"/>
+              </a:spcAft>
+              <a:buClrTx/>
+              <a:buSzTx/>
+              <a:buFontTx/>
+              <a:buChar char="•"/>
+              <a:tabLst/>
+            </a:pPr>
+            <a:r>
+              <a:rPr kumimoji="0" lang="ru-RU" altLang="ru-RU" sz="2400" b="0" i="0" u="none" strike="noStrike" cap="none" normalizeH="0" baseline="0" dirty="0" smtClean="0">
+                <a:ln>
+                  <a:noFill/>
+                </a:ln>
+                <a:solidFill>
+                  <a:schemeClr val="bg1"/>
+                </a:solidFill>
+                <a:effectLst/>
+                <a:latin typeface="Arial" panose="020B0604020202020204" pitchFamily="34" charset="0"/>
+              </a:rPr>
+              <a:t>Позволяет управлять тембром: от яркого до тёплого и глухого звучания</a:t>
+            </a:r>
+          </a:p>
+          <a:p>
+            <a:pPr marL="0" marR="0" lvl="0" indent="0" algn="l" defTabSz="914400" rtl="0" eaLnBrk="0" fontAlgn="base" latinLnBrk="0" hangingPunct="0">
+              <a:lnSpc>
+                <a:spcPct val="100000"/>
+              </a:lnSpc>
+              <a:spcBef>
+                <a:spcPct val="0"/>
+              </a:spcBef>
+              <a:spcAft>
+                <a:spcPct val="0"/>
+              </a:spcAft>
+              <a:buClrTx/>
+              <a:buSzTx/>
+              <a:buFontTx/>
+              <a:buChar char="•"/>
+              <a:tabLst/>
+            </a:pPr>
+            <a:r>
+              <a:rPr kumimoji="0" lang="ru-RU" altLang="ru-RU" sz="2400" b="0" i="0" u="none" strike="noStrike" cap="none" normalizeH="0" baseline="0" dirty="0" smtClean="0">
+                <a:ln>
+                  <a:noFill/>
+                </a:ln>
+                <a:solidFill>
+                  <a:schemeClr val="bg1"/>
+                </a:solidFill>
+                <a:effectLst/>
+                <a:latin typeface="Arial" panose="020B0604020202020204" pitchFamily="34" charset="0"/>
+              </a:rPr>
+              <a:t>Воспроизводит импульсные отклики (IR) гитарных кабинетов в формате </a:t>
+            </a:r>
+            <a:r>
+              <a:rPr kumimoji="0" lang="ru-RU" altLang="ru-RU" sz="1100" b="0" i="0" u="none" strike="noStrike" cap="none" normalizeH="0" baseline="0" dirty="0" smtClean="0">
+                <a:ln>
+                  <a:noFill/>
+                </a:ln>
+                <a:solidFill>
+                  <a:schemeClr val="bg1"/>
+                </a:solidFill>
+                <a:effectLst/>
+                <a:latin typeface="Arial Unicode MS"/>
+              </a:rPr>
+              <a:t>.</a:t>
+            </a:r>
+            <a:r>
+              <a:rPr kumimoji="0" lang="ru-RU" altLang="ru-RU" sz="1100" b="0" i="0" u="none" strike="noStrike" cap="none" normalizeH="0" baseline="0" dirty="0" err="1" smtClean="0">
+                <a:ln>
+                  <a:noFill/>
+                </a:ln>
+                <a:solidFill>
+                  <a:schemeClr val="bg1"/>
+                </a:solidFill>
+                <a:effectLst/>
+                <a:latin typeface="Arial Unicode MS"/>
+              </a:rPr>
+              <a:t>wav</a:t>
+            </a:r>
+            <a:endParaRPr kumimoji="0" lang="ru-RU" altLang="ru-RU" sz="800" b="0" i="0" u="none" strike="noStrike" cap="none" normalizeH="0" baseline="0" dirty="0" smtClean="0">
+              <a:ln>
+                <a:noFill/>
+              </a:ln>
               <a:solidFill>
                 <a:schemeClr val="bg1"/>
               </a:solidFill>
+              <a:effectLst/>
             </a:endParaRPr>
           </a:p>
           <a:p>
-            <a:r>
-              <a:rPr dirty="0" err="1">
-                <a:solidFill>
-                  <a:schemeClr val="bg1"/>
-                </a:solidFill>
-              </a:rPr>
-              <a:t>Регулировка</a:t>
-            </a:r>
-            <a:r>
-              <a:rPr dirty="0">
-                <a:solidFill>
-                  <a:schemeClr val="bg1"/>
-                </a:solidFill>
-              </a:rPr>
-              <a:t> </a:t>
-            </a:r>
-            <a:r>
-              <a:rPr dirty="0" err="1">
-                <a:solidFill>
-                  <a:schemeClr val="bg1"/>
-                </a:solidFill>
-              </a:rPr>
-              <a:t>тембра</a:t>
-            </a:r>
-            <a:endParaRPr dirty="0">
+            <a:pPr marL="0" marR="0" lvl="0" indent="0" algn="l" defTabSz="914400" rtl="0" eaLnBrk="0" fontAlgn="base" latinLnBrk="0" hangingPunct="0">
+              <a:lnSpc>
+                <a:spcPct val="100000"/>
+              </a:lnSpc>
+              <a:spcBef>
+                <a:spcPct val="0"/>
+              </a:spcBef>
+              <a:spcAft>
+                <a:spcPct val="0"/>
+              </a:spcAft>
+              <a:buClrTx/>
+              <a:buSzTx/>
+              <a:buFontTx/>
+              <a:buChar char="•"/>
+              <a:tabLst/>
+            </a:pPr>
+            <a:r>
+              <a:rPr kumimoji="0" lang="ru-RU" altLang="ru-RU" sz="2400" b="0" i="0" u="none" strike="noStrike" cap="none" normalizeH="0" baseline="0" dirty="0" smtClean="0">
+                <a:ln>
+                  <a:noFill/>
+                </a:ln>
+                <a:solidFill>
+                  <a:schemeClr val="bg1"/>
+                </a:solidFill>
+                <a:effectLst/>
+                <a:latin typeface="Arial" panose="020B0604020202020204" pitchFamily="34" charset="0"/>
+              </a:rPr>
+              <a:t>Работает как VST3-плагин или отдельное приложение</a:t>
+            </a:r>
+          </a:p>
+          <a:p>
+            <a:pPr marL="0" marR="0" lvl="0" indent="0" algn="l" defTabSz="914400" rtl="0" eaLnBrk="0" fontAlgn="base" latinLnBrk="0" hangingPunct="0">
+              <a:lnSpc>
+                <a:spcPct val="100000"/>
+              </a:lnSpc>
+              <a:spcBef>
+                <a:spcPct val="0"/>
+              </a:spcBef>
+              <a:spcAft>
+                <a:spcPct val="0"/>
+              </a:spcAft>
+              <a:buClrTx/>
+              <a:buSzTx/>
+              <a:buFontTx/>
+              <a:buNone/>
+              <a:tabLst/>
+            </a:pPr>
+            <a:endParaRPr kumimoji="0" lang="ru-RU" altLang="ru-RU" sz="1800" b="0" i="0" u="none" strike="noStrike" cap="none" normalizeH="0" baseline="0" dirty="0" smtClean="0">
+              <a:ln>
+                <a:noFill/>
+              </a:ln>
               <a:solidFill>
                 <a:schemeClr val="bg1"/>
               </a:solidFill>
-            </a:endParaRPr>
-          </a:p>
-          <a:p>
-            <a:r>
-              <a:rPr dirty="0" err="1">
-                <a:solidFill>
-                  <a:schemeClr val="bg1"/>
-                </a:solidFill>
-              </a:rPr>
-              <a:t>Импульсные</a:t>
-            </a:r>
-            <a:r>
-              <a:rPr dirty="0">
-                <a:solidFill>
-                  <a:schemeClr val="bg1"/>
-                </a:solidFill>
-              </a:rPr>
-              <a:t> </a:t>
-            </a:r>
-            <a:r>
-              <a:rPr dirty="0" err="1">
-                <a:solidFill>
-                  <a:schemeClr val="bg1"/>
-                </a:solidFill>
-              </a:rPr>
-              <a:t>отклики</a:t>
-            </a:r>
-            <a:r>
-              <a:rPr dirty="0">
-                <a:solidFill>
-                  <a:schemeClr val="bg1"/>
-                </a:solidFill>
-              </a:rPr>
-              <a:t> </a:t>
-            </a:r>
-            <a:r>
-              <a:rPr dirty="0" err="1">
-                <a:solidFill>
-                  <a:schemeClr val="bg1"/>
-                </a:solidFill>
-              </a:rPr>
-              <a:t>кабинета</a:t>
-            </a:r>
-            <a:r>
-              <a:rPr dirty="0">
-                <a:solidFill>
-                  <a:schemeClr val="bg1"/>
-                </a:solidFill>
-              </a:rPr>
-              <a:t> (IR)</a:t>
-            </a:r>
-          </a:p>
-          <a:p>
-            <a:r>
-              <a:rPr dirty="0" err="1">
-                <a:solidFill>
-                  <a:schemeClr val="bg1"/>
-                </a:solidFill>
-              </a:rPr>
-              <a:t>Поддержка</a:t>
-            </a:r>
-            <a:r>
-              <a:rPr dirty="0">
-                <a:solidFill>
-                  <a:schemeClr val="bg1"/>
-                </a:solidFill>
-              </a:rPr>
-              <a:t> </a:t>
-            </a:r>
-            <a:r>
-              <a:rPr dirty="0" err="1">
-                <a:solidFill>
-                  <a:schemeClr val="bg1"/>
-                </a:solidFill>
-              </a:rPr>
-              <a:t>режима</a:t>
-            </a:r>
-            <a:r>
-              <a:rPr dirty="0">
-                <a:solidFill>
-                  <a:schemeClr val="bg1"/>
-                </a:solidFill>
-              </a:rPr>
-              <a:t> </a:t>
-            </a:r>
-            <a:r>
-              <a:rPr dirty="0" smtClean="0">
-                <a:solidFill>
-                  <a:schemeClr val="bg1"/>
-                </a:solidFill>
-              </a:rPr>
-              <a:t>Bypass</a:t>
-            </a:r>
-            <a:endParaRPr dirty="0">
-              <a:solidFill>
-                <a:schemeClr val="bg1"/>
-              </a:solidFill>
+              <a:effectLst/>
+              <a:latin typeface="Arial" panose="020B0604020202020204" pitchFamily="34" charset="0"/>
             </a:endParaRPr>
           </a:p>
         </p:txBody>
@@ -3673,6 +3758,221 @@
 </file>
 
 <file path=ppt/slides/slide4.xml><?xml version="1.0" encoding="utf-8"?>
+<p:sld xmlns:a="http://schemas.openxmlformats.org/drawingml/2006/main" xmlns:r="http://schemas.openxmlformats.org/officeDocument/2006/relationships" xmlns:p="http://schemas.openxmlformats.org/presentationml/2006/main">
+  <p:cSld>
+    <p:spTree>
+      <p:nvGrpSpPr>
+        <p:cNvPr id="1" name=""/>
+        <p:cNvGrpSpPr/>
+        <p:nvPr/>
+      </p:nvGrpSpPr>
+      <p:grpSpPr>
+        <a:xfrm>
+          <a:off x="0" y="0"/>
+          <a:ext cx="0" cy="0"/>
+          <a:chOff x="0" y="0"/>
+          <a:chExt cx="0" cy="0"/>
+        </a:xfrm>
+      </p:grpSpPr>
+      <p:sp>
+        <p:nvSpPr>
+          <p:cNvPr id="2" name="Title 1"/>
+          <p:cNvSpPr>
+            <a:spLocks noGrp="1"/>
+          </p:cNvSpPr>
+          <p:nvPr>
+            <p:ph type="title"/>
+          </p:nvPr>
+        </p:nvSpPr>
+        <p:spPr/>
+        <p:txBody>
+          <a:bodyPr/>
+          <a:lstStyle/>
+          <a:p>
+            <a:r>
+              <a:rPr dirty="0" err="1">
+                <a:solidFill>
+                  <a:schemeClr val="bg1"/>
+                </a:solidFill>
+              </a:rPr>
+              <a:t>Технологии</a:t>
+            </a:r>
+            <a:endParaRPr dirty="0">
+              <a:solidFill>
+                <a:schemeClr val="bg1"/>
+              </a:solidFill>
+            </a:endParaRPr>
+          </a:p>
+        </p:txBody>
+      </p:sp>
+      <p:sp>
+        <p:nvSpPr>
+          <p:cNvPr id="3" name="Content Placeholder 2"/>
+          <p:cNvSpPr>
+            <a:spLocks noGrp="1"/>
+          </p:cNvSpPr>
+          <p:nvPr>
+            <p:ph idx="1"/>
+          </p:nvPr>
+        </p:nvSpPr>
+        <p:spPr/>
+        <p:txBody>
+          <a:bodyPr/>
+          <a:lstStyle/>
+          <a:p>
+            <a:endParaRPr dirty="0">
+              <a:solidFill>
+                <a:schemeClr val="bg1"/>
+              </a:solidFill>
+            </a:endParaRPr>
+          </a:p>
+          <a:p>
+            <a:r>
+              <a:rPr dirty="0">
+                <a:solidFill>
+                  <a:schemeClr val="bg1"/>
+                </a:solidFill>
+              </a:rPr>
+              <a:t>JUCE – </a:t>
+            </a:r>
+            <a:r>
+              <a:rPr dirty="0" err="1">
+                <a:solidFill>
+                  <a:schemeClr val="bg1"/>
+                </a:solidFill>
+              </a:rPr>
+              <a:t>интерфейс</a:t>
+            </a:r>
+            <a:r>
+              <a:rPr dirty="0">
+                <a:solidFill>
+                  <a:schemeClr val="bg1"/>
+                </a:solidFill>
+              </a:rPr>
+              <a:t> и </a:t>
+            </a:r>
+            <a:r>
+              <a:rPr dirty="0" err="1">
+                <a:solidFill>
+                  <a:schemeClr val="bg1"/>
+                </a:solidFill>
+              </a:rPr>
+              <a:t>обработка</a:t>
+            </a:r>
+            <a:r>
+              <a:rPr dirty="0">
+                <a:solidFill>
+                  <a:schemeClr val="bg1"/>
+                </a:solidFill>
+              </a:rPr>
+              <a:t> </a:t>
+            </a:r>
+            <a:r>
+              <a:rPr dirty="0" err="1">
+                <a:solidFill>
+                  <a:schemeClr val="bg1"/>
+                </a:solidFill>
+              </a:rPr>
+              <a:t>аудио</a:t>
+            </a:r>
+            <a:endParaRPr dirty="0">
+              <a:solidFill>
+                <a:schemeClr val="bg1"/>
+              </a:solidFill>
+            </a:endParaRPr>
+          </a:p>
+          <a:p>
+            <a:r>
+              <a:rPr dirty="0" err="1">
+                <a:solidFill>
+                  <a:schemeClr val="bg1"/>
+                </a:solidFill>
+              </a:rPr>
+              <a:t>CMake</a:t>
+            </a:r>
+            <a:r>
+              <a:rPr dirty="0">
+                <a:solidFill>
+                  <a:schemeClr val="bg1"/>
+                </a:solidFill>
+              </a:rPr>
+              <a:t> – </a:t>
+            </a:r>
+            <a:r>
+              <a:rPr dirty="0" err="1">
+                <a:solidFill>
+                  <a:schemeClr val="bg1"/>
+                </a:solidFill>
+              </a:rPr>
+              <a:t>кроссплатформенная</a:t>
+            </a:r>
+            <a:r>
+              <a:rPr dirty="0">
+                <a:solidFill>
+                  <a:schemeClr val="bg1"/>
+                </a:solidFill>
+              </a:rPr>
+              <a:t> </a:t>
+            </a:r>
+            <a:r>
+              <a:rPr dirty="0" err="1">
+                <a:solidFill>
+                  <a:schemeClr val="bg1"/>
+                </a:solidFill>
+              </a:rPr>
+              <a:t>сборка</a:t>
+            </a:r>
+            <a:endParaRPr dirty="0">
+              <a:solidFill>
+                <a:schemeClr val="bg1"/>
+              </a:solidFill>
+            </a:endParaRPr>
+          </a:p>
+          <a:p>
+            <a:r>
+              <a:rPr dirty="0" err="1">
+                <a:solidFill>
+                  <a:schemeClr val="bg1"/>
+                </a:solidFill>
+              </a:rPr>
+              <a:t>Язык</a:t>
+            </a:r>
+            <a:r>
+              <a:rPr dirty="0">
+                <a:solidFill>
+                  <a:schemeClr val="bg1"/>
+                </a:solidFill>
+              </a:rPr>
+              <a:t> </a:t>
+            </a:r>
+            <a:r>
+              <a:rPr dirty="0" err="1">
+                <a:solidFill>
+                  <a:schemeClr val="bg1"/>
+                </a:solidFill>
+              </a:rPr>
+              <a:t>программирования</a:t>
+            </a:r>
+            <a:r>
+              <a:rPr dirty="0">
+                <a:solidFill>
+                  <a:schemeClr val="bg1"/>
+                </a:solidFill>
+              </a:rPr>
+              <a:t>: C++</a:t>
+            </a:r>
+          </a:p>
+        </p:txBody>
+      </p:sp>
+    </p:spTree>
+  </p:cSld>
+  <p:clrMapOvr>
+    <a:masterClrMapping/>
+  </p:clrMapOvr>
+</p:sld>
+</file>
+
+<file path=ppt/slides/slide5.xml><?xml version="1.0" encoding="utf-8"?>
 <p:sld xmlns:a="http://schemas.openxmlformats.org/drawingml/2006/main" xmlns:r="http://schemas.openxmlformats.org/officeDocument/2006/relationships" xmlns:p="http://schemas.openxmlformats.org/presentationml/2006/main">
   <p:cSld>
     <p:spTree>
@@ -3961,7 +4261,143 @@
 </p:sld>
 </file>
 
-<file path=ppt/slides/slide5.xml><?xml version="1.0" encoding="utf-8"?>
+<file path=ppt/slides/slide6.xml><?xml version="1.0" encoding="utf-8"?>
+<p:sld xmlns:a="http://schemas.openxmlformats.org/drawingml/2006/main" xmlns:r="http://schemas.openxmlformats.org/officeDocument/2006/relationships" xmlns:p="http://schemas.openxmlformats.org/presentationml/2006/main">
+  <p:cSld>
+    <p:bg>
+      <p:bgPr>
+        <a:solidFill>
+          <a:schemeClr val="bg1"/>
+        </a:solidFill>
+        <a:effectLst/>
+      </p:bgPr>
+    </p:bg>
+    <p:spTree>
+      <p:nvGrpSpPr>
+        <p:cNvPr id="1" name=""/>
+        <p:cNvGrpSpPr/>
+        <p:nvPr/>
+      </p:nvGrpSpPr>
+      <p:grpSpPr>
+        <a:xfrm>
+          <a:off x="0" y="0"/>
+          <a:ext cx="0" cy="0"/>
+          <a:chOff x="0" y="0"/>
+          <a:chExt cx="0" cy="0"/>
+        </a:xfrm>
+      </p:grpSpPr>
+      <p:pic>
+        <p:nvPicPr>
+          <p:cNvPr id="4" name="Объект 3"/>
+          <p:cNvPicPr>
+            <a:picLocks noGrp="1" noChangeAspect="1"/>
+          </p:cNvPicPr>
+          <p:nvPr>
+            <p:ph idx="1"/>
+          </p:nvPr>
+        </p:nvPicPr>
+        <p:blipFill>
+          <a:blip r:embed="rId2">
+            <a:extLst>
+              <a:ext uri="{28A0092B-C50C-407E-A947-70E740481C1C}">
+                <a14:useLocalDpi xmlns:a14="http://schemas.microsoft.com/office/drawing/2010/main" val="0"/>
+              </a:ext>
+            </a:extLst>
+          </a:blip>
+          <a:stretch>
+            <a:fillRect/>
+          </a:stretch>
+        </p:blipFill>
+        <p:spPr>
+          <a:xfrm>
+            <a:off x="374072" y="274638"/>
+            <a:ext cx="5758873" cy="6311041"/>
+          </a:xfrm>
+        </p:spPr>
+      </p:pic>
+      <p:sp>
+        <p:nvSpPr>
+          <p:cNvPr id="2" name="Title 1"/>
+          <p:cNvSpPr>
+            <a:spLocks noGrp="1"/>
+          </p:cNvSpPr>
+          <p:nvPr>
+            <p:ph type="title"/>
+          </p:nvPr>
+        </p:nvSpPr>
+        <p:spPr>
+          <a:xfrm>
+            <a:off x="4285672" y="1826347"/>
+            <a:ext cx="4548909" cy="1143000"/>
+          </a:xfrm>
+        </p:spPr>
+        <p:txBody>
+          <a:bodyPr>
+            <a:normAutofit fontScale="90000"/>
+          </a:bodyPr>
+          <a:lstStyle/>
+          <a:p>
+            <a:r>
+              <a:rPr dirty="0" err="1">
+                <a:ln w="0"/>
+                <a:effectLst>
+                  <a:outerShdw blurRad="38100" dist="19050" dir="2700000" algn="tl" rotWithShape="0">
+                    <a:schemeClr val="dk1">
+                      <a:alpha val="40000"/>
+                    </a:schemeClr>
+                  </a:outerShdw>
+                </a:effectLst>
+              </a:rPr>
+              <a:t>Архитектура</a:t>
+            </a:r>
+            <a:r>
+              <a:rPr dirty="0">
+                <a:ln w="0"/>
+                <a:effectLst>
+                  <a:outerShdw blurRad="38100" dist="19050" dir="2700000" algn="tl" rotWithShape="0">
+                    <a:schemeClr val="dk1">
+                      <a:alpha val="40000"/>
+                    </a:schemeClr>
+                  </a:outerShdw>
+                </a:effectLst>
+              </a:rPr>
+              <a:t> </a:t>
+            </a:r>
+            <a:r>
+              <a:rPr lang="ru-RU" dirty="0" smtClean="0">
+                <a:ln w="0"/>
+                <a:effectLst>
+                  <a:outerShdw blurRad="38100" dist="19050" dir="2700000" algn="tl" rotWithShape="0">
+                    <a:schemeClr val="dk1">
+                      <a:alpha val="40000"/>
+                    </a:schemeClr>
+                  </a:outerShdw>
+                </a:effectLst>
+              </a:rPr>
+              <a:t>плагина</a:t>
+            </a:r>
+            <a:endParaRPr dirty="0">
+              <a:ln w="0"/>
+              <a:effectLst>
+                <a:outerShdw blurRad="38100" dist="19050" dir="2700000" algn="tl" rotWithShape="0">
+                  <a:schemeClr val="dk1">
+                    <a:alpha val="40000"/>
+                  </a:schemeClr>
+                </a:outerShdw>
+              </a:effectLst>
+            </a:endParaRPr>
+          </a:p>
+        </p:txBody>
+      </p:sp>
+    </p:spTree>
+  </p:cSld>
+  <p:clrMapOvr>
+    <a:masterClrMapping/>
+  </p:clrMapOvr>
+</p:sld>
+</file>
+
+<file path=ppt/slides/slide7.xml><?xml version="1.0" encoding="utf-8"?>
 <p:sld xmlns:a="http://schemas.openxmlformats.org/drawingml/2006/main" xmlns:r="http://schemas.openxmlformats.org/officeDocument/2006/relationships" xmlns:p="http://schemas.openxmlformats.org/presentationml/2006/main">
   <p:cSld>
     <p:spTree>
@@ -3988,12 +4424,7 @@
             <p:ph type="title"/>
           </p:nvPr>
         </p:nvSpPr>
-        <p:spPr>
-          <a:xfrm>
-            <a:off x="457200" y="0"/>
-            <a:ext cx="8229600" cy="1143000"/>
-          </a:xfrm>
-        </p:spPr>
+        <p:spPr/>
         <p:txBody>
           <a:bodyPr/>
           <a:lstStyle/>
@@ -4004,7 +4435,7 @@
                   <a:schemeClr val="bg1"/>
                 </a:solidFill>
               </a:rPr>
-              <a:t>Архитектура</a:t>
+              <a:t>Описание</a:t>
             </a:r>
             <a:r>
               <a:rPr dirty="0">
@@ -4015,116 +4446,15 @@
               <a:t> </a:t>
             </a:r>
             <a:r>
-              <a:rPr lang="ru-RU" dirty="0" smtClean="0">
-                <a:solidFill>
-                  <a:schemeClr val="bg1"/>
-                </a:solidFill>
-              </a:rPr>
-              <a:t>проекта</a:t>
-            </a:r>
-            <a:endParaRPr dirty="0">
-              <a:solidFill>
-                <a:schemeClr val="bg1"/>
-              </a:solidFill>
-            </a:endParaRPr>
-          </a:p>
-        </p:txBody>
-      </p:sp>
-      <p:pic>
-        <p:nvPicPr>
-          <p:cNvPr id="4" name="Объект 3"/>
-          <p:cNvPicPr>
-            <a:picLocks noGrp="1" noChangeAspect="1"/>
-          </p:cNvPicPr>
-          <p:nvPr>
-            <p:ph idx="1"/>
-          </p:nvPr>
-        </p:nvPicPr>
-        <p:blipFill>
-          <a:blip r:embed="rId2">
-            <a:extLst>
-              <a:ext uri="{28A0092B-C50C-407E-A947-70E740481C1C}">
-                <a14:useLocalDpi xmlns:a14="http://schemas.microsoft.com/office/drawing/2010/main" val="0"/>
-              </a:ext>
-            </a:extLst>
-          </a:blip>
-          <a:stretch>
-            <a:fillRect/>
-          </a:stretch>
-        </p:blipFill>
-        <p:spPr>
-          <a:xfrm>
-            <a:off x="2573819" y="976746"/>
-            <a:ext cx="3822314" cy="5733473"/>
-          </a:xfrm>
-        </p:spPr>
-      </p:pic>
-    </p:spTree>
-  </p:cSld>
-  <p:clrMapOvr>
-    <a:masterClrMapping/>
-  </p:clrMapOvr>
-</p:sld>
-</file>
-
-<file path=ppt/slides/slide6.xml><?xml version="1.0" encoding="utf-8"?>
-<p:sld xmlns:a="http://schemas.openxmlformats.org/drawingml/2006/main" xmlns:r="http://schemas.openxmlformats.org/officeDocument/2006/relationships" xmlns:p="http://schemas.openxmlformats.org/presentationml/2006/main">
-  <p:cSld>
-    <p:spTree>
-      <p:nvGrpSpPr>
-        <p:cNvPr id="1" name=""/>
-        <p:cNvGrpSpPr/>
-        <p:nvPr/>
-      </p:nvGrpSpPr>
-      <p:grpSpPr>
-        <a:xfrm>
-          <a:off x="0" y="0"/>
-          <a:ext cx="0" cy="0"/>
-          <a:chOff x="0" y="0"/>
-          <a:chExt cx="0" cy="0"/>
-        </a:xfrm>
-      </p:grpSpPr>
-      <p:sp>
-        <p:nvSpPr>
-          <p:cNvPr id="2" name="Title 1"/>
-          <p:cNvSpPr>
-            <a:spLocks noGrp="1"/>
-          </p:cNvSpPr>
-          <p:nvPr>
-            <p:ph type="title"/>
-          </p:nvPr>
-        </p:nvSpPr>
-        <p:spPr/>
-        <p:txBody>
-          <a:bodyPr/>
-          <a:lstStyle/>
-          <a:p>
-            <a:r>
-              <a:rPr lang="ru-RU" dirty="0" err="1">
-                <a:solidFill>
-                  <a:schemeClr val="bg1"/>
-                </a:solidFill>
-              </a:rPr>
-              <a:t>Б</a:t>
-            </a:r>
-            <a:r>
-              <a:rPr dirty="0" err="1" smtClean="0">
-                <a:solidFill>
-                  <a:schemeClr val="bg1"/>
-                </a:solidFill>
-              </a:rPr>
-              <a:t>лок</a:t>
-            </a:r>
-            <a:r>
-              <a:rPr lang="ru-RU" dirty="0" smtClean="0">
-                <a:solidFill>
-                  <a:schemeClr val="bg1"/>
-                </a:solidFill>
-              </a:rPr>
-              <a:t>и</a:t>
-            </a:r>
-            <a:r>
-              <a:rPr dirty="0" smtClean="0">
+              <a:rPr dirty="0" err="1">
+                <a:solidFill>
+                  <a:schemeClr val="bg1"/>
+                </a:solidFill>
+              </a:rPr>
+              <a:t>блоков</a:t>
+            </a:r>
+            <a:r>
+              <a:rPr dirty="0">
                 <a:solidFill>
                   <a:schemeClr val="bg1"/>
                 </a:solidFill>
@@ -4452,221 +4782,6 @@
           </a:graphicData>
         </a:graphic>
       </p:graphicFrame>
-    </p:spTree>
-  </p:cSld>
-  <p:clrMapOvr>
-    <a:masterClrMapping/>
-  </p:clrMapOvr>
-</p:sld>
-</file>
-
-<file path=ppt/slides/slide7.xml><?xml version="1.0" encoding="utf-8"?>
-<p:sld xmlns:a="http://schemas.openxmlformats.org/drawingml/2006/main" xmlns:r="http://schemas.openxmlformats.org/officeDocument/2006/relationships" xmlns:p="http://schemas.openxmlformats.org/presentationml/2006/main">
-  <p:cSld>
-    <p:spTree>
-      <p:nvGrpSpPr>
-        <p:cNvPr id="1" name=""/>
-        <p:cNvGrpSpPr/>
-        <p:nvPr/>
-      </p:nvGrpSpPr>
-      <p:grpSpPr>
-        <a:xfrm>
-          <a:off x="0" y="0"/>
-          <a:ext cx="0" cy="0"/>
-          <a:chOff x="0" y="0"/>
-          <a:chExt cx="0" cy="0"/>
-        </a:xfrm>
-      </p:grpSpPr>
-      <p:sp>
-        <p:nvSpPr>
-          <p:cNvPr id="2" name="Title 1"/>
-          <p:cNvSpPr>
-            <a:spLocks noGrp="1"/>
-          </p:cNvSpPr>
-          <p:nvPr>
-            <p:ph type="title"/>
-          </p:nvPr>
-        </p:nvSpPr>
-        <p:spPr/>
-        <p:txBody>
-          <a:bodyPr/>
-          <a:lstStyle/>
-          <a:p>
-            <a:r>
-              <a:rPr dirty="0" err="1">
-                <a:solidFill>
-                  <a:schemeClr val="bg1"/>
-                </a:solidFill>
-              </a:rPr>
-              <a:t>Технологии</a:t>
-            </a:r>
-            <a:endParaRPr dirty="0">
-              <a:solidFill>
-                <a:schemeClr val="bg1"/>
-              </a:solidFill>
-            </a:endParaRPr>
-          </a:p>
-        </p:txBody>
-      </p:sp>
-      <p:sp>
-        <p:nvSpPr>
-          <p:cNvPr id="3" name="Content Placeholder 2"/>
-          <p:cNvSpPr>
-            <a:spLocks noGrp="1"/>
-          </p:cNvSpPr>
-          <p:nvPr>
-            <p:ph idx="1"/>
-          </p:nvPr>
-        </p:nvSpPr>
-        <p:spPr/>
-        <p:txBody>
-          <a:bodyPr/>
-          <a:lstStyle/>
-          <a:p>
-            <a:endParaRPr dirty="0">
-              <a:solidFill>
-                <a:schemeClr val="bg1"/>
-              </a:solidFill>
-            </a:endParaRPr>
-          </a:p>
-          <a:p>
-            <a:r>
-              <a:rPr dirty="0">
-                <a:solidFill>
-                  <a:schemeClr val="bg1"/>
-                </a:solidFill>
-              </a:rPr>
-              <a:t>JUCE – </a:t>
-            </a:r>
-            <a:r>
-              <a:rPr dirty="0" err="1">
-                <a:solidFill>
-                  <a:schemeClr val="bg1"/>
-                </a:solidFill>
-              </a:rPr>
-              <a:t>интерфейс</a:t>
-            </a:r>
-            <a:r>
-              <a:rPr dirty="0">
-                <a:solidFill>
-                  <a:schemeClr val="bg1"/>
-                </a:solidFill>
-              </a:rPr>
-              <a:t> и </a:t>
-            </a:r>
-            <a:r>
-              <a:rPr dirty="0" err="1">
-                <a:solidFill>
-                  <a:schemeClr val="bg1"/>
-                </a:solidFill>
-              </a:rPr>
-              <a:t>обработка</a:t>
-            </a:r>
-            <a:r>
-              <a:rPr dirty="0">
-                <a:solidFill>
-                  <a:schemeClr val="bg1"/>
-                </a:solidFill>
-              </a:rPr>
-              <a:t> </a:t>
-            </a:r>
-            <a:r>
-              <a:rPr dirty="0" err="1">
-                <a:solidFill>
-                  <a:schemeClr val="bg1"/>
-                </a:solidFill>
-              </a:rPr>
-              <a:t>аудио</a:t>
-            </a:r>
-            <a:endParaRPr dirty="0">
-              <a:solidFill>
-                <a:schemeClr val="bg1"/>
-              </a:solidFill>
-            </a:endParaRPr>
-          </a:p>
-          <a:p>
-            <a:r>
-              <a:rPr dirty="0" err="1">
-                <a:solidFill>
-                  <a:schemeClr val="bg1"/>
-                </a:solidFill>
-              </a:rPr>
-              <a:t>CMake</a:t>
-            </a:r>
-            <a:r>
-              <a:rPr dirty="0">
-                <a:solidFill>
-                  <a:schemeClr val="bg1"/>
-                </a:solidFill>
-              </a:rPr>
-              <a:t> – </a:t>
-            </a:r>
-            <a:r>
-              <a:rPr dirty="0" err="1">
-                <a:solidFill>
-                  <a:schemeClr val="bg1"/>
-                </a:solidFill>
-              </a:rPr>
-              <a:t>кроссплатформенная</a:t>
-            </a:r>
-            <a:r>
-              <a:rPr dirty="0">
-                <a:solidFill>
-                  <a:schemeClr val="bg1"/>
-                </a:solidFill>
-              </a:rPr>
-              <a:t> </a:t>
-            </a:r>
-            <a:r>
-              <a:rPr dirty="0" err="1">
-                <a:solidFill>
-                  <a:schemeClr val="bg1"/>
-                </a:solidFill>
-              </a:rPr>
-              <a:t>сборка</a:t>
-            </a:r>
-            <a:endParaRPr dirty="0">
-              <a:solidFill>
-                <a:schemeClr val="bg1"/>
-              </a:solidFill>
-            </a:endParaRPr>
-          </a:p>
-          <a:p>
-            <a:r>
-              <a:rPr dirty="0" err="1">
-                <a:solidFill>
-                  <a:schemeClr val="bg1"/>
-                </a:solidFill>
-              </a:rPr>
-              <a:t>Язык</a:t>
-            </a:r>
-            <a:r>
-              <a:rPr dirty="0">
-                <a:solidFill>
-                  <a:schemeClr val="bg1"/>
-                </a:solidFill>
-              </a:rPr>
-              <a:t> </a:t>
-            </a:r>
-            <a:r>
-              <a:rPr dirty="0" err="1">
-                <a:solidFill>
-                  <a:schemeClr val="bg1"/>
-                </a:solidFill>
-              </a:rPr>
-              <a:t>программирования</a:t>
-            </a:r>
-            <a:r>
-              <a:rPr dirty="0">
-                <a:solidFill>
-                  <a:schemeClr val="bg1"/>
-                </a:solidFill>
-              </a:rPr>
-              <a:t>: C++</a:t>
-            </a:r>
-          </a:p>
-        </p:txBody>
-      </p:sp>
     </p:spTree>
   </p:cSld>
   <p:clrMapOvr>
